--- a/web_site/V3/images/images.pptx
+++ b/web_site/V3/images/images.pptx
@@ -289,7 +289,7 @@
             <a:fld id="{1D8BD707-D9CF-40AE-B4C6-C98DA3205C09}" type="datetimeFigureOut">
               <a:rPr lang="en-US" smtClean="0"/>
               <a:pPr/>
-              <a:t>1/23/2013</a:t>
+              <a:t>5/18/2013</a:t>
             </a:fld>
             <a:endParaRPr lang="en-US"/>
           </a:p>
@@ -456,7 +456,7 @@
             <a:fld id="{1D8BD707-D9CF-40AE-B4C6-C98DA3205C09}" type="datetimeFigureOut">
               <a:rPr lang="en-US" smtClean="0"/>
               <a:pPr/>
-              <a:t>1/23/2013</a:t>
+              <a:t>5/18/2013</a:t>
             </a:fld>
             <a:endParaRPr lang="en-US"/>
           </a:p>
@@ -633,7 +633,7 @@
             <a:fld id="{1D8BD707-D9CF-40AE-B4C6-C98DA3205C09}" type="datetimeFigureOut">
               <a:rPr lang="en-US" smtClean="0"/>
               <a:pPr/>
-              <a:t>1/23/2013</a:t>
+              <a:t>5/18/2013</a:t>
             </a:fld>
             <a:endParaRPr lang="en-US"/>
           </a:p>
@@ -800,7 +800,7 @@
             <a:fld id="{1D8BD707-D9CF-40AE-B4C6-C98DA3205C09}" type="datetimeFigureOut">
               <a:rPr lang="en-US" smtClean="0"/>
               <a:pPr/>
-              <a:t>1/23/2013</a:t>
+              <a:t>5/18/2013</a:t>
             </a:fld>
             <a:endParaRPr lang="en-US"/>
           </a:p>
@@ -1043,7 +1043,7 @@
             <a:fld id="{1D8BD707-D9CF-40AE-B4C6-C98DA3205C09}" type="datetimeFigureOut">
               <a:rPr lang="en-US" smtClean="0"/>
               <a:pPr/>
-              <a:t>1/23/2013</a:t>
+              <a:t>5/18/2013</a:t>
             </a:fld>
             <a:endParaRPr lang="en-US"/>
           </a:p>
@@ -1328,7 +1328,7 @@
             <a:fld id="{1D8BD707-D9CF-40AE-B4C6-C98DA3205C09}" type="datetimeFigureOut">
               <a:rPr lang="en-US" smtClean="0"/>
               <a:pPr/>
-              <a:t>1/23/2013</a:t>
+              <a:t>5/18/2013</a:t>
             </a:fld>
             <a:endParaRPr lang="en-US"/>
           </a:p>
@@ -1747,7 +1747,7 @@
             <a:fld id="{1D8BD707-D9CF-40AE-B4C6-C98DA3205C09}" type="datetimeFigureOut">
               <a:rPr lang="en-US" smtClean="0"/>
               <a:pPr/>
-              <a:t>1/23/2013</a:t>
+              <a:t>5/18/2013</a:t>
             </a:fld>
             <a:endParaRPr lang="en-US"/>
           </a:p>
@@ -1862,7 +1862,7 @@
             <a:fld id="{1D8BD707-D9CF-40AE-B4C6-C98DA3205C09}" type="datetimeFigureOut">
               <a:rPr lang="en-US" smtClean="0"/>
               <a:pPr/>
-              <a:t>1/23/2013</a:t>
+              <a:t>5/18/2013</a:t>
             </a:fld>
             <a:endParaRPr lang="en-US"/>
           </a:p>
@@ -1954,7 +1954,7 @@
             <a:fld id="{1D8BD707-D9CF-40AE-B4C6-C98DA3205C09}" type="datetimeFigureOut">
               <a:rPr lang="en-US" smtClean="0"/>
               <a:pPr/>
-              <a:t>1/23/2013</a:t>
+              <a:t>5/18/2013</a:t>
             </a:fld>
             <a:endParaRPr lang="en-US"/>
           </a:p>
@@ -2228,7 +2228,7 @@
             <a:fld id="{1D8BD707-D9CF-40AE-B4C6-C98DA3205C09}" type="datetimeFigureOut">
               <a:rPr lang="en-US" smtClean="0"/>
               <a:pPr/>
-              <a:t>1/23/2013</a:t>
+              <a:t>5/18/2013</a:t>
             </a:fld>
             <a:endParaRPr lang="en-US"/>
           </a:p>
@@ -2478,7 +2478,7 @@
             <a:fld id="{1D8BD707-D9CF-40AE-B4C6-C98DA3205C09}" type="datetimeFigureOut">
               <a:rPr lang="en-US" smtClean="0"/>
               <a:pPr/>
-              <a:t>1/23/2013</a:t>
+              <a:t>5/18/2013</a:t>
             </a:fld>
             <a:endParaRPr lang="en-US"/>
           </a:p>
@@ -2688,7 +2688,7 @@
             <a:fld id="{1D8BD707-D9CF-40AE-B4C6-C98DA3205C09}" type="datetimeFigureOut">
               <a:rPr lang="en-US" smtClean="0"/>
               <a:pPr/>
-              <a:t>1/23/2013</a:t>
+              <a:t>5/18/2013</a:t>
             </a:fld>
             <a:endParaRPr lang="en-US"/>
           </a:p>
@@ -3059,81 +3059,652 @@
           <a:chExt cx="0" cy="0"/>
         </a:xfrm>
       </p:grpSpPr>
-      <p:pic>
-        <p:nvPicPr>
-          <p:cNvPr id="1026" name="Picture 2"/>
-          <p:cNvPicPr>
-            <a:picLocks noChangeAspect="1" noChangeArrowheads="1"/>
-          </p:cNvPicPr>
+      <p:grpSp>
+        <p:nvGrpSpPr>
+          <p:cNvPr id="4" name="Group 3"/>
+          <p:cNvGrpSpPr/>
           <p:nvPr/>
-        </p:nvPicPr>
-        <p:blipFill rotWithShape="1">
-          <a:blip r:embed="rId2">
-            <a:extLst>
-              <a:ext uri="{28A0092B-C50C-407E-A947-70E740481C1C}">
-                <a14:useLocalDpi xmlns:a14="http://schemas.microsoft.com/office/drawing/2010/main" val="0"/>
-              </a:ext>
-            </a:extLst>
-          </a:blip>
-          <a:srcRect l="19607" t="43000" r="53821" b="22143"/>
-          <a:stretch/>
-        </p:blipFill>
-        <p:spPr bwMode="auto">
+        </p:nvGrpSpPr>
+        <p:grpSpPr>
           <a:xfrm>
             <a:off x="381000" y="381000"/>
             <a:ext cx="2699657" cy="2656114"/>
+            <a:chOff x="381000" y="381000"/>
+            <a:chExt cx="2699657" cy="2656114"/>
           </a:xfrm>
-          <a:prstGeom prst="roundRect">
-            <a:avLst>
-              <a:gd name="adj" fmla="val 11111"/>
-            </a:avLst>
-          </a:prstGeom>
-          <a:ln w="190500" cap="rnd">
-            <a:solidFill>
-              <a:srgbClr val="C8C6BD"/>
-            </a:solidFill>
-            <a:prstDash val="solid"/>
-          </a:ln>
-          <a:effectLst>
-            <a:outerShdw blurRad="101600" dist="50800" dir="7200000" algn="tl" rotWithShape="0">
-              <a:srgbClr val="000000">
-                <a:alpha val="45000"/>
-              </a:srgbClr>
-            </a:outerShdw>
-          </a:effectLst>
-          <a:scene3d>
-            <a:camera prst="perspectiveFront" fov="5400000"/>
-            <a:lightRig rig="threePt" dir="t">
-              <a:rot lat="0" lon="0" rev="19200000"/>
-            </a:lightRig>
-          </a:scene3d>
-          <a:sp3d extrusionH="25400">
-            <a:bevelT w="304800" h="152400" prst="hardEdge"/>
-            <a:extrusionClr>
-              <a:srgbClr val="FFFFFF"/>
-            </a:extrusionClr>
-          </a:sp3d>
-          <a:extLst>
-            <a:ext uri="{909E8E84-426E-40DD-AFC4-6F175D3DCCD1}">
-              <a14:hiddenFill xmlns:a14="http://schemas.microsoft.com/office/drawing/2010/main">
-                <a:solidFill>
-                  <a:schemeClr val="accent1"/>
-                </a:solidFill>
-              </a14:hiddenFill>
-            </a:ext>
-          </a:extLst>
-        </p:spPr>
-      </p:pic>
+        </p:grpSpPr>
+        <p:pic>
+          <p:nvPicPr>
+            <p:cNvPr id="1026" name="Picture 2"/>
+            <p:cNvPicPr>
+              <a:picLocks noChangeAspect="1" noChangeArrowheads="1"/>
+            </p:cNvPicPr>
+            <p:nvPr/>
+          </p:nvPicPr>
+          <p:blipFill rotWithShape="1">
+            <a:blip r:embed="rId2">
+              <a:extLst>
+                <a:ext uri="{28A0092B-C50C-407E-A947-70E740481C1C}">
+                  <a14:useLocalDpi xmlns:a14="http://schemas.microsoft.com/office/drawing/2010/main" val="0"/>
+                </a:ext>
+              </a:extLst>
+            </a:blip>
+            <a:srcRect l="19607" t="43000" r="53821" b="22143"/>
+            <a:stretch/>
+          </p:blipFill>
+          <p:spPr bwMode="auto">
+            <a:xfrm>
+              <a:off x="381000" y="381000"/>
+              <a:ext cx="2699657" cy="2656114"/>
+            </a:xfrm>
+            <a:prstGeom prst="roundRect">
+              <a:avLst>
+                <a:gd name="adj" fmla="val 11111"/>
+              </a:avLst>
+            </a:prstGeom>
+            <a:ln w="190500" cap="rnd">
+              <a:solidFill>
+                <a:srgbClr val="C8C6BD"/>
+              </a:solidFill>
+              <a:prstDash val="solid"/>
+            </a:ln>
+            <a:effectLst>
+              <a:outerShdw blurRad="101600" dist="50800" dir="7200000" algn="tl" rotWithShape="0">
+                <a:srgbClr val="000000">
+                  <a:alpha val="45000"/>
+                </a:srgbClr>
+              </a:outerShdw>
+            </a:effectLst>
+            <a:scene3d>
+              <a:camera prst="perspectiveFront" fov="5400000"/>
+              <a:lightRig rig="threePt" dir="t">
+                <a:rot lat="0" lon="0" rev="19200000"/>
+              </a:lightRig>
+            </a:scene3d>
+            <a:sp3d extrusionH="25400">
+              <a:bevelT w="304800" h="152400" prst="hardEdge"/>
+              <a:extrusionClr>
+                <a:srgbClr val="FFFFFF"/>
+              </a:extrusionClr>
+            </a:sp3d>
+            <a:extLst>
+              <a:ext uri="{909E8E84-426E-40DD-AFC4-6F175D3DCCD1}">
+                <a14:hiddenFill xmlns:a14="http://schemas.microsoft.com/office/drawing/2010/main">
+                  <a:solidFill>
+                    <a:schemeClr val="accent1"/>
+                  </a:solidFill>
+                </a14:hiddenFill>
+              </a:ext>
+            </a:extLst>
+          </p:spPr>
+        </p:pic>
+        <p:sp>
+          <p:nvSpPr>
+            <p:cNvPr id="3" name="TextBox 2"/>
+            <p:cNvSpPr txBox="1"/>
+            <p:nvPr/>
+          </p:nvSpPr>
+          <p:spPr>
+            <a:xfrm>
+              <a:off x="609600" y="469612"/>
+              <a:ext cx="2295821" cy="646331"/>
+            </a:xfrm>
+            <a:prstGeom prst="rect">
+              <a:avLst/>
+            </a:prstGeom>
+            <a:noFill/>
+          </p:spPr>
+          <p:txBody>
+            <a:bodyPr wrap="none" rtlCol="0">
+              <a:spAutoFit/>
+            </a:bodyPr>
+            <a:lstStyle/>
+            <a:p>
+              <a:r>
+                <a:rPr lang="en-US" sz="3600" b="1" dirty="0" smtClean="0"/>
+                <a:t>Calculators</a:t>
+              </a:r>
+              <a:endParaRPr lang="en-US" sz="3200" b="1" dirty="0"/>
+            </a:p>
+          </p:txBody>
+        </p:sp>
+      </p:grpSp>
+      <p:grpSp>
+        <p:nvGrpSpPr>
+          <p:cNvPr id="7" name="Group 6"/>
+          <p:cNvGrpSpPr/>
+          <p:nvPr/>
+        </p:nvGrpSpPr>
+        <p:grpSpPr>
+          <a:xfrm>
+            <a:off x="3581400" y="76200"/>
+            <a:ext cx="3048000" cy="2794000"/>
+            <a:chOff x="3581400" y="76200"/>
+            <a:chExt cx="3048000" cy="2794000"/>
+          </a:xfrm>
+        </p:grpSpPr>
+        <p:pic>
+          <p:nvPicPr>
+            <p:cNvPr id="1027" name="Picture 3" descr="C:\Users\Ivo\Desktop\simulator.png"/>
+            <p:cNvPicPr>
+              <a:picLocks noChangeAspect="1" noChangeArrowheads="1"/>
+            </p:cNvPicPr>
+            <p:nvPr/>
+          </p:nvPicPr>
+          <p:blipFill>
+            <a:blip r:embed="rId3">
+              <a:extLst>
+                <a:ext uri="{28A0092B-C50C-407E-A947-70E740481C1C}">
+                  <a14:useLocalDpi xmlns:a14="http://schemas.microsoft.com/office/drawing/2010/main" val="0"/>
+                </a:ext>
+              </a:extLst>
+            </a:blip>
+            <a:srcRect/>
+            <a:stretch>
+              <a:fillRect/>
+            </a:stretch>
+          </p:blipFill>
+          <p:spPr bwMode="auto">
+            <a:xfrm>
+              <a:off x="3581400" y="76200"/>
+              <a:ext cx="3048000" cy="2794000"/>
+            </a:xfrm>
+            <a:prstGeom prst="roundRect">
+              <a:avLst>
+                <a:gd name="adj" fmla="val 11111"/>
+              </a:avLst>
+            </a:prstGeom>
+            <a:ln w="190500" cap="rnd">
+              <a:solidFill>
+                <a:srgbClr val="C8C6BD"/>
+              </a:solidFill>
+              <a:prstDash val="solid"/>
+            </a:ln>
+            <a:effectLst>
+              <a:outerShdw blurRad="101600" dist="50800" dir="7200000" algn="tl" rotWithShape="0">
+                <a:srgbClr val="000000">
+                  <a:alpha val="45000"/>
+                </a:srgbClr>
+              </a:outerShdw>
+            </a:effectLst>
+            <a:scene3d>
+              <a:camera prst="perspectiveFront" fov="5400000"/>
+              <a:lightRig rig="threePt" dir="t">
+                <a:rot lat="0" lon="0" rev="19200000"/>
+              </a:lightRig>
+            </a:scene3d>
+            <a:sp3d extrusionH="25400">
+              <a:bevelT w="304800" h="152400" prst="hardEdge"/>
+              <a:extrusionClr>
+                <a:srgbClr val="FFFFFF"/>
+              </a:extrusionClr>
+            </a:sp3d>
+            <a:extLst>
+              <a:ext uri="{909E8E84-426E-40DD-AFC4-6F175D3DCCD1}">
+                <a14:hiddenFill xmlns:a14="http://schemas.microsoft.com/office/drawing/2010/main">
+                  <a:solidFill>
+                    <a:srgbClr val="FFFFFF"/>
+                  </a:solidFill>
+                </a14:hiddenFill>
+              </a:ext>
+            </a:extLst>
+          </p:spPr>
+        </p:pic>
+        <p:sp>
+          <p:nvSpPr>
+            <p:cNvPr id="11" name="TextBox 10"/>
+            <p:cNvSpPr txBox="1"/>
+            <p:nvPr/>
+          </p:nvSpPr>
+          <p:spPr>
+            <a:xfrm>
+              <a:off x="4114800" y="152400"/>
+              <a:ext cx="2223686" cy="646331"/>
+            </a:xfrm>
+            <a:prstGeom prst="rect">
+              <a:avLst/>
+            </a:prstGeom>
+            <a:noFill/>
+          </p:spPr>
+          <p:txBody>
+            <a:bodyPr wrap="none" rtlCol="0">
+              <a:spAutoFit/>
+            </a:bodyPr>
+            <a:lstStyle/>
+            <a:p>
+              <a:r>
+                <a:rPr lang="en-US" sz="3600" b="1" dirty="0" smtClean="0"/>
+                <a:t>Simulators</a:t>
+              </a:r>
+              <a:endParaRPr lang="en-US" sz="3200" b="1" dirty="0"/>
+            </a:p>
+          </p:txBody>
+        </p:sp>
+      </p:grpSp>
+      <p:grpSp>
+        <p:nvGrpSpPr>
+          <p:cNvPr id="16" name="Group 15"/>
+          <p:cNvGrpSpPr/>
+          <p:nvPr/>
+        </p:nvGrpSpPr>
+        <p:grpSpPr>
+          <a:xfrm>
+            <a:off x="-109537" y="3441899"/>
+            <a:ext cx="3081338" cy="3209726"/>
+            <a:chOff x="-109537" y="3441899"/>
+            <a:chExt cx="3081338" cy="3209726"/>
+          </a:xfrm>
+        </p:grpSpPr>
+        <p:pic>
+          <p:nvPicPr>
+            <p:cNvPr id="1028" name="Picture 4" descr="C:\Users\Ivo\Desktop\Game1.jpg"/>
+            <p:cNvPicPr>
+              <a:picLocks noChangeAspect="1" noChangeArrowheads="1"/>
+            </p:cNvPicPr>
+            <p:nvPr/>
+          </p:nvPicPr>
+          <p:blipFill>
+            <a:blip r:embed="rId4">
+              <a:extLst>
+                <a:ext uri="{28A0092B-C50C-407E-A947-70E740481C1C}">
+                  <a14:useLocalDpi xmlns:a14="http://schemas.microsoft.com/office/drawing/2010/main" val="0"/>
+                </a:ext>
+              </a:extLst>
+            </a:blip>
+            <a:srcRect/>
+            <a:stretch>
+              <a:fillRect/>
+            </a:stretch>
+          </p:blipFill>
+          <p:spPr bwMode="auto">
+            <a:xfrm>
+              <a:off x="-109537" y="3441899"/>
+              <a:ext cx="3081338" cy="3209726"/>
+            </a:xfrm>
+            <a:prstGeom prst="roundRect">
+              <a:avLst>
+                <a:gd name="adj" fmla="val 11111"/>
+              </a:avLst>
+            </a:prstGeom>
+            <a:ln w="190500" cap="rnd">
+              <a:solidFill>
+                <a:srgbClr val="C8C6BD"/>
+              </a:solidFill>
+              <a:prstDash val="solid"/>
+            </a:ln>
+            <a:effectLst>
+              <a:outerShdw blurRad="101600" dist="50800" dir="7200000" algn="tl" rotWithShape="0">
+                <a:srgbClr val="000000">
+                  <a:alpha val="45000"/>
+                </a:srgbClr>
+              </a:outerShdw>
+            </a:effectLst>
+            <a:scene3d>
+              <a:camera prst="perspectiveFront" fov="5400000"/>
+              <a:lightRig rig="threePt" dir="t">
+                <a:rot lat="0" lon="0" rev="19200000"/>
+              </a:lightRig>
+            </a:scene3d>
+            <a:sp3d extrusionH="25400">
+              <a:bevelT w="304800" h="152400" prst="hardEdge"/>
+              <a:extrusionClr>
+                <a:srgbClr val="FFFFFF"/>
+              </a:extrusionClr>
+            </a:sp3d>
+            <a:extLst>
+              <a:ext uri="{909E8E84-426E-40DD-AFC4-6F175D3DCCD1}">
+                <a14:hiddenFill xmlns:a14="http://schemas.microsoft.com/office/drawing/2010/main">
+                  <a:solidFill>
+                    <a:srgbClr val="FFFFFF"/>
+                  </a:solidFill>
+                </a14:hiddenFill>
+              </a:ext>
+            </a:extLst>
+          </p:spPr>
+        </p:pic>
+        <p:sp>
+          <p:nvSpPr>
+            <p:cNvPr id="12" name="TextBox 11"/>
+            <p:cNvSpPr txBox="1"/>
+            <p:nvPr/>
+          </p:nvSpPr>
+          <p:spPr>
+            <a:xfrm>
+              <a:off x="1313983" y="4633694"/>
+              <a:ext cx="1462132" cy="646331"/>
+            </a:xfrm>
+            <a:prstGeom prst="rect">
+              <a:avLst/>
+            </a:prstGeom>
+            <a:noFill/>
+          </p:spPr>
+          <p:txBody>
+            <a:bodyPr wrap="none" rtlCol="0">
+              <a:spAutoFit/>
+            </a:bodyPr>
+            <a:lstStyle/>
+            <a:p>
+              <a:r>
+                <a:rPr lang="en-US" sz="3600" b="1" dirty="0" smtClean="0"/>
+                <a:t>Search</a:t>
+              </a:r>
+              <a:endParaRPr lang="en-US" sz="3200" b="1" dirty="0"/>
+            </a:p>
+          </p:txBody>
+        </p:sp>
+      </p:grpSp>
+      <p:grpSp>
+        <p:nvGrpSpPr>
+          <p:cNvPr id="9" name="Group 8"/>
+          <p:cNvGrpSpPr/>
+          <p:nvPr/>
+        </p:nvGrpSpPr>
+        <p:grpSpPr>
+          <a:xfrm>
+            <a:off x="9167272" y="4380131"/>
+            <a:ext cx="3213100" cy="3602941"/>
+            <a:chOff x="3147157" y="3113313"/>
+            <a:chExt cx="3213100" cy="3602941"/>
+          </a:xfrm>
+        </p:grpSpPr>
+        <p:pic>
+          <p:nvPicPr>
+            <p:cNvPr id="1030" name="Picture 6" descr="C:\Users\Ivo\Desktop\Picture1.png"/>
+            <p:cNvPicPr>
+              <a:picLocks noChangeAspect="1" noChangeArrowheads="1"/>
+            </p:cNvPicPr>
+            <p:nvPr/>
+          </p:nvPicPr>
+          <p:blipFill>
+            <a:blip r:embed="rId5">
+              <a:extLst>
+                <a:ext uri="{28A0092B-C50C-407E-A947-70E740481C1C}">
+                  <a14:useLocalDpi xmlns:a14="http://schemas.microsoft.com/office/drawing/2010/main" val="0"/>
+                </a:ext>
+              </a:extLst>
+            </a:blip>
+            <a:srcRect/>
+            <a:stretch>
+              <a:fillRect/>
+            </a:stretch>
+          </p:blipFill>
+          <p:spPr bwMode="auto">
+            <a:xfrm>
+              <a:off x="3147157" y="3113313"/>
+              <a:ext cx="3213100" cy="3279775"/>
+            </a:xfrm>
+            <a:prstGeom prst="rect">
+              <a:avLst/>
+            </a:prstGeom>
+            <a:ln>
+              <a:noFill/>
+            </a:ln>
+            <a:effectLst>
+              <a:outerShdw blurRad="292100" dist="139700" dir="2700000" algn="tl" rotWithShape="0">
+                <a:srgbClr val="333333">
+                  <a:alpha val="65000"/>
+                </a:srgbClr>
+              </a:outerShdw>
+            </a:effectLst>
+            <a:extLst>
+              <a:ext uri="{909E8E84-426E-40DD-AFC4-6F175D3DCCD1}">
+                <a14:hiddenFill xmlns:a14="http://schemas.microsoft.com/office/drawing/2010/main">
+                  <a:solidFill>
+                    <a:srgbClr val="FFFFFF"/>
+                  </a:solidFill>
+                </a14:hiddenFill>
+              </a:ext>
+            </a:extLst>
+          </p:spPr>
+        </p:pic>
+        <p:sp>
+          <p:nvSpPr>
+            <p:cNvPr id="13" name="TextBox 12"/>
+            <p:cNvSpPr txBox="1"/>
+            <p:nvPr/>
+          </p:nvSpPr>
+          <p:spPr>
+            <a:xfrm>
+              <a:off x="3731215" y="6069923"/>
+              <a:ext cx="2044983" cy="646331"/>
+            </a:xfrm>
+            <a:prstGeom prst="rect">
+              <a:avLst/>
+            </a:prstGeom>
+            <a:noFill/>
+          </p:spPr>
+          <p:txBody>
+            <a:bodyPr wrap="none" rtlCol="0">
+              <a:spAutoFit/>
+            </a:bodyPr>
+            <a:lstStyle/>
+            <a:p>
+              <a:r>
+                <a:rPr lang="en-US" sz="3600" b="1" dirty="0" smtClean="0"/>
+                <a:t>Navigator</a:t>
+              </a:r>
+              <a:endParaRPr lang="en-US" sz="3200" b="1" dirty="0"/>
+            </a:p>
+          </p:txBody>
+        </p:sp>
+      </p:grpSp>
+      <p:grpSp>
+        <p:nvGrpSpPr>
+          <p:cNvPr id="8" name="Group 7"/>
+          <p:cNvGrpSpPr/>
+          <p:nvPr/>
+        </p:nvGrpSpPr>
+        <p:grpSpPr>
+          <a:xfrm>
+            <a:off x="6198054" y="5280025"/>
+            <a:ext cx="2543175" cy="2857500"/>
+            <a:chOff x="6261100" y="3851275"/>
+            <a:chExt cx="2543175" cy="2857500"/>
+          </a:xfrm>
+        </p:grpSpPr>
+        <p:pic>
+          <p:nvPicPr>
+            <p:cNvPr id="2" name="Picture 2" descr="C:\Users\Ivo\Desktop\Game.png"/>
+            <p:cNvPicPr>
+              <a:picLocks noChangeAspect="1" noChangeArrowheads="1"/>
+            </p:cNvPicPr>
+            <p:nvPr/>
+          </p:nvPicPr>
+          <p:blipFill>
+            <a:blip r:embed="rId6">
+              <a:extLst>
+                <a:ext uri="{28A0092B-C50C-407E-A947-70E740481C1C}">
+                  <a14:useLocalDpi xmlns:a14="http://schemas.microsoft.com/office/drawing/2010/main" val="0"/>
+                </a:ext>
+              </a:extLst>
+            </a:blip>
+            <a:srcRect/>
+            <a:stretch>
+              <a:fillRect/>
+            </a:stretch>
+          </p:blipFill>
+          <p:spPr bwMode="auto">
+            <a:xfrm flipH="1">
+              <a:off x="6261100" y="3851275"/>
+              <a:ext cx="2543175" cy="2857500"/>
+            </a:xfrm>
+            <a:prstGeom prst="roundRect">
+              <a:avLst>
+                <a:gd name="adj" fmla="val 11111"/>
+              </a:avLst>
+            </a:prstGeom>
+            <a:ln w="190500" cap="rnd">
+              <a:solidFill>
+                <a:srgbClr val="C8C6BD"/>
+              </a:solidFill>
+              <a:prstDash val="solid"/>
+            </a:ln>
+            <a:effectLst>
+              <a:outerShdw blurRad="101600" dist="50800" dir="7200000" algn="tl" rotWithShape="0">
+                <a:srgbClr val="000000">
+                  <a:alpha val="45000"/>
+                </a:srgbClr>
+              </a:outerShdw>
+            </a:effectLst>
+            <a:scene3d>
+              <a:camera prst="perspectiveFront" fov="5400000"/>
+              <a:lightRig rig="threePt" dir="t">
+                <a:rot lat="0" lon="0" rev="19200000"/>
+              </a:lightRig>
+            </a:scene3d>
+            <a:sp3d extrusionH="25400">
+              <a:bevelT w="304800" h="152400" prst="hardEdge"/>
+              <a:extrusionClr>
+                <a:srgbClr val="FFFFFF"/>
+              </a:extrusionClr>
+            </a:sp3d>
+            <a:extLst>
+              <a:ext uri="{909E8E84-426E-40DD-AFC4-6F175D3DCCD1}">
+                <a14:hiddenFill xmlns:a14="http://schemas.microsoft.com/office/drawing/2010/main">
+                  <a:solidFill>
+                    <a:srgbClr val="FFFFFF"/>
+                  </a:solidFill>
+                </a14:hiddenFill>
+              </a:ext>
+            </a:extLst>
+          </p:spPr>
+        </p:pic>
+        <p:sp>
+          <p:nvSpPr>
+            <p:cNvPr id="14" name="TextBox 13"/>
+            <p:cNvSpPr txBox="1"/>
+            <p:nvPr/>
+          </p:nvSpPr>
+          <p:spPr>
+            <a:xfrm>
+              <a:off x="7448216" y="6005294"/>
+              <a:ext cx="1314784" cy="646331"/>
+            </a:xfrm>
+            <a:prstGeom prst="rect">
+              <a:avLst/>
+            </a:prstGeom>
+            <a:noFill/>
+          </p:spPr>
+          <p:txBody>
+            <a:bodyPr wrap="none" rtlCol="0">
+              <a:spAutoFit/>
+            </a:bodyPr>
+            <a:lstStyle/>
+            <a:p>
+              <a:r>
+                <a:rPr lang="en-US" sz="3600" b="1" dirty="0" smtClean="0"/>
+                <a:t>Game</a:t>
+              </a:r>
+              <a:endParaRPr lang="en-US" sz="3200" b="1" dirty="0"/>
+            </a:p>
+          </p:txBody>
+        </p:sp>
+      </p:grpSp>
+      <p:grpSp>
+        <p:nvGrpSpPr>
+          <p:cNvPr id="5" name="Group 4"/>
+          <p:cNvGrpSpPr/>
+          <p:nvPr/>
+        </p:nvGrpSpPr>
+        <p:grpSpPr>
+          <a:xfrm>
+            <a:off x="9751330" y="-181194"/>
+            <a:ext cx="2713037" cy="3051394"/>
+            <a:chOff x="6735763" y="-42863"/>
+            <a:chExt cx="2713037" cy="3051394"/>
+          </a:xfrm>
+        </p:grpSpPr>
+        <p:pic>
+          <p:nvPicPr>
+            <p:cNvPr id="1031" name="Picture 7" descr="C:\Users\Ivo\Desktop\canvas.png"/>
+            <p:cNvPicPr>
+              <a:picLocks noChangeAspect="1" noChangeArrowheads="1"/>
+            </p:cNvPicPr>
+            <p:nvPr/>
+          </p:nvPicPr>
+          <p:blipFill>
+            <a:blip r:embed="rId7">
+              <a:extLst>
+                <a:ext uri="{28A0092B-C50C-407E-A947-70E740481C1C}">
+                  <a14:useLocalDpi xmlns:a14="http://schemas.microsoft.com/office/drawing/2010/main" val="0"/>
+                </a:ext>
+              </a:extLst>
+            </a:blip>
+            <a:srcRect/>
+            <a:stretch>
+              <a:fillRect/>
+            </a:stretch>
+          </p:blipFill>
+          <p:spPr bwMode="auto">
+            <a:xfrm>
+              <a:off x="6735763" y="-42863"/>
+              <a:ext cx="2713037" cy="2674827"/>
+            </a:xfrm>
+            <a:prstGeom prst="rect">
+              <a:avLst/>
+            </a:prstGeom>
+            <a:ln>
+              <a:noFill/>
+            </a:ln>
+            <a:effectLst>
+              <a:outerShdw blurRad="292100" dist="139700" dir="2700000" algn="tl" rotWithShape="0">
+                <a:srgbClr val="333333">
+                  <a:alpha val="65000"/>
+                </a:srgbClr>
+              </a:outerShdw>
+            </a:effectLst>
+            <a:extLst>
+              <a:ext uri="{909E8E84-426E-40DD-AFC4-6F175D3DCCD1}">
+                <a14:hiddenFill xmlns:a14="http://schemas.microsoft.com/office/drawing/2010/main">
+                  <a:solidFill>
+                    <a:srgbClr val="FFFFFF"/>
+                  </a:solidFill>
+                </a14:hiddenFill>
+              </a:ext>
+            </a:extLst>
+          </p:spPr>
+        </p:pic>
+        <p:sp>
+          <p:nvSpPr>
+            <p:cNvPr id="15" name="TextBox 14"/>
+            <p:cNvSpPr txBox="1"/>
+            <p:nvPr/>
+          </p:nvSpPr>
+          <p:spPr>
+            <a:xfrm>
+              <a:off x="6804652" y="2362200"/>
+              <a:ext cx="2575257" cy="646331"/>
+            </a:xfrm>
+            <a:prstGeom prst="rect">
+              <a:avLst/>
+            </a:prstGeom>
+            <a:noFill/>
+          </p:spPr>
+          <p:txBody>
+            <a:bodyPr wrap="none" rtlCol="0">
+              <a:spAutoFit/>
+            </a:bodyPr>
+            <a:lstStyle/>
+            <a:p>
+              <a:r>
+                <a:rPr lang="en-US" sz="3600" b="1" dirty="0" smtClean="0"/>
+                <a:t>Experiments</a:t>
+              </a:r>
+              <a:endParaRPr lang="en-US" sz="3200" b="1" dirty="0"/>
+            </a:p>
+          </p:txBody>
+        </p:sp>
+      </p:grpSp>
       <p:pic>
         <p:nvPicPr>
-          <p:cNvPr id="1027" name="Picture 3" descr="C:\Users\Ivo\Desktop\simulator.png"/>
+          <p:cNvPr id="6" name="Picture 2" descr="C:\Users\Ivo\Desktop\Experiments.png"/>
           <p:cNvPicPr>
             <a:picLocks noChangeAspect="1" noChangeArrowheads="1"/>
           </p:cNvPicPr>
           <p:nvPr/>
         </p:nvPicPr>
         <p:blipFill>
-          <a:blip r:embed="rId3">
+          <a:blip r:embed="rId8">
             <a:extLst>
               <a:ext uri="{28A0092B-C50C-407E-A947-70E740481C1C}">
                 <a14:useLocalDpi xmlns:a14="http://schemas.microsoft.com/office/drawing/2010/main" val="0"/>
@@ -3147,8 +3718,8 @@
         </p:blipFill>
         <p:spPr bwMode="auto">
           <a:xfrm>
-            <a:off x="3581400" y="76200"/>
-            <a:ext cx="3048000" cy="2794000"/>
+            <a:off x="6983811" y="-44488"/>
+            <a:ext cx="2868612" cy="3011975"/>
           </a:xfrm>
           <a:prstGeom prst="roundRect">
             <a:avLst>
@@ -3193,14 +3764,14 @@
       </p:pic>
       <p:pic>
         <p:nvPicPr>
-          <p:cNvPr id="1028" name="Picture 4" descr="C:\Users\Ivo\Desktop\Game1.jpg"/>
+          <p:cNvPr id="10" name="Picture 3" descr="C:\Users\Ivo\Desktop\Navigator.png"/>
           <p:cNvPicPr>
             <a:picLocks noChangeAspect="1" noChangeArrowheads="1"/>
           </p:cNvPicPr>
           <p:nvPr/>
         </p:nvPicPr>
         <p:blipFill>
-          <a:blip r:embed="rId4">
+          <a:blip r:embed="rId9">
             <a:extLst>
               <a:ext uri="{28A0092B-C50C-407E-A947-70E740481C1C}">
                 <a14:useLocalDpi xmlns:a14="http://schemas.microsoft.com/office/drawing/2010/main" val="0"/>
@@ -3214,8 +3785,8 @@
         </p:blipFill>
         <p:spPr bwMode="auto">
           <a:xfrm>
-            <a:off x="-109538" y="2841625"/>
-            <a:ext cx="3657601" cy="3810000"/>
+            <a:off x="2982687" y="3177101"/>
+            <a:ext cx="2979737" cy="3151358"/>
           </a:xfrm>
           <a:prstGeom prst="roundRect">
             <a:avLst>
@@ -3258,274 +3829,118 @@
           </a:extLst>
         </p:spPr>
       </p:pic>
-      <p:pic>
-        <p:nvPicPr>
-          <p:cNvPr id="1030" name="Picture 6" descr="C:\Users\Ivo\Desktop\Picture1.png"/>
-          <p:cNvPicPr>
-            <a:picLocks noChangeAspect="1" noChangeArrowheads="1"/>
-          </p:cNvPicPr>
+      <p:grpSp>
+        <p:nvGrpSpPr>
+          <p:cNvPr id="17" name="Group 16"/>
+          <p:cNvGrpSpPr/>
           <p:nvPr/>
-        </p:nvPicPr>
-        <p:blipFill>
-          <a:blip r:embed="rId5">
+        </p:nvGrpSpPr>
+        <p:grpSpPr>
+          <a:xfrm>
+            <a:off x="6530975" y="2706688"/>
+            <a:ext cx="2672978" cy="2805557"/>
+            <a:chOff x="6530975" y="2706688"/>
+            <a:chExt cx="2672978" cy="2805557"/>
+          </a:xfrm>
+        </p:grpSpPr>
+        <p:pic>
+          <p:nvPicPr>
+            <p:cNvPr id="1032" name="Picture 8" descr="C:\Users\Ivo\Desktop\Docs.png"/>
+            <p:cNvPicPr>
+              <a:picLocks noChangeAspect="1" noChangeArrowheads="1"/>
+            </p:cNvPicPr>
+            <p:nvPr/>
+          </p:nvPicPr>
+          <p:blipFill>
+            <a:blip r:embed="rId10" cstate="print">
+              <a:extLst>
+                <a:ext uri="{28A0092B-C50C-407E-A947-70E740481C1C}">
+                  <a14:useLocalDpi xmlns:a14="http://schemas.microsoft.com/office/drawing/2010/main" val="0"/>
+                </a:ext>
+              </a:extLst>
+            </a:blip>
+            <a:srcRect/>
+            <a:stretch>
+              <a:fillRect/>
+            </a:stretch>
+          </p:blipFill>
+          <p:spPr bwMode="auto">
+            <a:xfrm>
+              <a:off x="6530975" y="2706688"/>
+              <a:ext cx="2672978" cy="2779712"/>
+            </a:xfrm>
+            <a:prstGeom prst="roundRect">
+              <a:avLst>
+                <a:gd name="adj" fmla="val 11111"/>
+              </a:avLst>
+            </a:prstGeom>
+            <a:ln w="190500" cap="rnd">
+              <a:solidFill>
+                <a:srgbClr val="C8C6BD"/>
+              </a:solidFill>
+              <a:prstDash val="solid"/>
+            </a:ln>
+            <a:effectLst>
+              <a:outerShdw blurRad="101600" dist="50800" dir="7200000" algn="tl" rotWithShape="0">
+                <a:srgbClr val="000000">
+                  <a:alpha val="45000"/>
+                </a:srgbClr>
+              </a:outerShdw>
+            </a:effectLst>
+            <a:scene3d>
+              <a:camera prst="perspectiveFront" fov="5400000"/>
+              <a:lightRig rig="threePt" dir="t">
+                <a:rot lat="0" lon="0" rev="19200000"/>
+              </a:lightRig>
+            </a:scene3d>
+            <a:sp3d extrusionH="25400">
+              <a:bevelT w="304800" h="152400" prst="hardEdge"/>
+              <a:extrusionClr>
+                <a:srgbClr val="FFFFFF"/>
+              </a:extrusionClr>
+            </a:sp3d>
             <a:extLst>
-              <a:ext uri="{28A0092B-C50C-407E-A947-70E740481C1C}">
-                <a14:useLocalDpi xmlns:a14="http://schemas.microsoft.com/office/drawing/2010/main" val="0"/>
+              <a:ext uri="{909E8E84-426E-40DD-AFC4-6F175D3DCCD1}">
+                <a14:hiddenFill xmlns:a14="http://schemas.microsoft.com/office/drawing/2010/main">
+                  <a:solidFill>
+                    <a:srgbClr val="FFFFFF"/>
+                  </a:solidFill>
+                </a14:hiddenFill>
               </a:ext>
             </a:extLst>
-          </a:blip>
-          <a:srcRect/>
-          <a:stretch>
-            <a:fillRect/>
-          </a:stretch>
-        </p:blipFill>
-        <p:spPr bwMode="auto">
-          <a:xfrm>
-            <a:off x="3886200" y="3106737"/>
-            <a:ext cx="3213100" cy="3279775"/>
-          </a:xfrm>
-          <a:prstGeom prst="roundRect">
-            <a:avLst>
-              <a:gd name="adj" fmla="val 11111"/>
-            </a:avLst>
-          </a:prstGeom>
-          <a:ln w="190500" cap="rnd">
-            <a:solidFill>
-              <a:srgbClr val="C8C6BD"/>
-            </a:solidFill>
-            <a:prstDash val="solid"/>
-          </a:ln>
-          <a:effectLst>
-            <a:outerShdw blurRad="101600" dist="50800" dir="7200000" algn="tl" rotWithShape="0">
-              <a:srgbClr val="000000">
-                <a:alpha val="45000"/>
-              </a:srgbClr>
-            </a:outerShdw>
-          </a:effectLst>
-          <a:scene3d>
-            <a:camera prst="perspectiveFront" fov="5400000"/>
-            <a:lightRig rig="threePt" dir="t">
-              <a:rot lat="0" lon="0" rev="19200000"/>
-            </a:lightRig>
-          </a:scene3d>
-          <a:sp3d extrusionH="25400">
-            <a:bevelT w="304800" h="152400" prst="hardEdge"/>
-            <a:extrusionClr>
-              <a:srgbClr val="FFFFFF"/>
-            </a:extrusionClr>
-          </a:sp3d>
-          <a:extLst>
-            <a:ext uri="{909E8E84-426E-40DD-AFC4-6F175D3DCCD1}">
-              <a14:hiddenFill xmlns:a14="http://schemas.microsoft.com/office/drawing/2010/main">
-                <a:solidFill>
-                  <a:srgbClr val="FFFFFF"/>
-                </a:solidFill>
-              </a14:hiddenFill>
-            </a:ext>
-          </a:extLst>
-        </p:spPr>
-      </p:pic>
-      <p:pic>
-        <p:nvPicPr>
-          <p:cNvPr id="1031" name="Picture 7" descr="C:\Users\Ivo\Desktop\canvas.png"/>
-          <p:cNvPicPr>
-            <a:picLocks noChangeAspect="1" noChangeArrowheads="1"/>
-          </p:cNvPicPr>
-          <p:nvPr/>
-        </p:nvPicPr>
-        <p:blipFill>
-          <a:blip r:embed="rId6">
-            <a:extLst>
-              <a:ext uri="{28A0092B-C50C-407E-A947-70E740481C1C}">
-                <a14:useLocalDpi xmlns:a14="http://schemas.microsoft.com/office/drawing/2010/main" val="0"/>
-              </a:ext>
-            </a:extLst>
-          </a:blip>
-          <a:srcRect/>
-          <a:stretch>
-            <a:fillRect/>
-          </a:stretch>
-        </p:blipFill>
-        <p:spPr bwMode="auto">
-          <a:xfrm>
-            <a:off x="6735763" y="-42863"/>
-            <a:ext cx="2028825" cy="2000251"/>
-          </a:xfrm>
-          <a:prstGeom prst="roundRect">
-            <a:avLst>
-              <a:gd name="adj" fmla="val 11111"/>
-            </a:avLst>
-          </a:prstGeom>
-          <a:ln w="190500" cap="rnd">
-            <a:solidFill>
-              <a:srgbClr val="C8C6BD"/>
-            </a:solidFill>
-            <a:prstDash val="solid"/>
-          </a:ln>
-          <a:effectLst>
-            <a:outerShdw blurRad="101600" dist="50800" dir="7200000" algn="tl" rotWithShape="0">
-              <a:srgbClr val="000000">
-                <a:alpha val="45000"/>
-              </a:srgbClr>
-            </a:outerShdw>
-          </a:effectLst>
-          <a:scene3d>
-            <a:camera prst="perspectiveFront" fov="5400000"/>
-            <a:lightRig rig="threePt" dir="t">
-              <a:rot lat="0" lon="0" rev="19200000"/>
-            </a:lightRig>
-          </a:scene3d>
-          <a:sp3d extrusionH="25400">
-            <a:bevelT w="304800" h="152400" prst="hardEdge"/>
-            <a:extrusionClr>
-              <a:srgbClr val="FFFFFF"/>
-            </a:extrusionClr>
-          </a:sp3d>
-          <a:extLst>
-            <a:ext uri="{909E8E84-426E-40DD-AFC4-6F175D3DCCD1}">
-              <a14:hiddenFill xmlns:a14="http://schemas.microsoft.com/office/drawing/2010/main">
-                <a:solidFill>
-                  <a:srgbClr val="FFFFFF"/>
-                </a:solidFill>
-              </a14:hiddenFill>
-            </a:ext>
-          </a:extLst>
-        </p:spPr>
-      </p:pic>
-      <p:pic>
-        <p:nvPicPr>
-          <p:cNvPr id="1032" name="Picture 8" descr="C:\Users\Ivo\Desktop\Docs.png"/>
-          <p:cNvPicPr>
-            <a:picLocks noChangeAspect="1" noChangeArrowheads="1"/>
-          </p:cNvPicPr>
-          <p:nvPr/>
-        </p:nvPicPr>
-        <p:blipFill>
-          <a:blip r:embed="rId7" cstate="print">
-            <a:extLst>
-              <a:ext uri="{28A0092B-C50C-407E-A947-70E740481C1C}">
-                <a14:useLocalDpi xmlns:a14="http://schemas.microsoft.com/office/drawing/2010/main" val="0"/>
-              </a:ext>
-            </a:extLst>
-          </a:blip>
-          <a:srcRect/>
-          <a:stretch>
-            <a:fillRect/>
-          </a:stretch>
-        </p:blipFill>
-        <p:spPr bwMode="auto">
-          <a:xfrm>
-            <a:off x="6530975" y="2706688"/>
-            <a:ext cx="1828800" cy="1901825"/>
-          </a:xfrm>
-          <a:prstGeom prst="roundRect">
-            <a:avLst>
-              <a:gd name="adj" fmla="val 11111"/>
-            </a:avLst>
-          </a:prstGeom>
-          <a:ln w="190500" cap="rnd">
-            <a:solidFill>
-              <a:srgbClr val="C8C6BD"/>
-            </a:solidFill>
-            <a:prstDash val="solid"/>
-          </a:ln>
-          <a:effectLst>
-            <a:outerShdw blurRad="101600" dist="50800" dir="7200000" algn="tl" rotWithShape="0">
-              <a:srgbClr val="000000">
-                <a:alpha val="45000"/>
-              </a:srgbClr>
-            </a:outerShdw>
-          </a:effectLst>
-          <a:scene3d>
-            <a:camera prst="perspectiveFront" fov="5400000"/>
-            <a:lightRig rig="threePt" dir="t">
-              <a:rot lat="0" lon="0" rev="19200000"/>
-            </a:lightRig>
-          </a:scene3d>
-          <a:sp3d extrusionH="25400">
-            <a:bevelT w="304800" h="152400" prst="hardEdge"/>
-            <a:extrusionClr>
-              <a:srgbClr val="FFFFFF"/>
-            </a:extrusionClr>
-          </a:sp3d>
-          <a:extLst>
-            <a:ext uri="{909E8E84-426E-40DD-AFC4-6F175D3DCCD1}">
-              <a14:hiddenFill xmlns:a14="http://schemas.microsoft.com/office/drawing/2010/main">
-                <a:solidFill>
-                  <a:srgbClr val="FFFFFF"/>
-                </a:solidFill>
-              </a14:hiddenFill>
-            </a:ext>
-          </a:extLst>
-        </p:spPr>
-      </p:pic>
-      <p:pic>
-        <p:nvPicPr>
-          <p:cNvPr id="2" name="Picture 2" descr="C:\Users\Ivo\Desktop\Game.png"/>
-          <p:cNvPicPr>
-            <a:picLocks noChangeAspect="1" noChangeArrowheads="1"/>
-          </p:cNvPicPr>
-          <p:nvPr/>
-        </p:nvPicPr>
-        <p:blipFill>
-          <a:blip r:embed="rId8">
-            <a:extLst>
-              <a:ext uri="{28A0092B-C50C-407E-A947-70E740481C1C}">
-                <a14:useLocalDpi xmlns:a14="http://schemas.microsoft.com/office/drawing/2010/main" val="0"/>
-              </a:ext>
-            </a:extLst>
-          </a:blip>
-          <a:srcRect/>
-          <a:stretch>
-            <a:fillRect/>
-          </a:stretch>
-        </p:blipFill>
-        <p:spPr bwMode="auto">
-          <a:xfrm flipH="1">
-            <a:off x="6261100" y="3851275"/>
-            <a:ext cx="2543175" cy="2857500"/>
-          </a:xfrm>
-          <a:prstGeom prst="roundRect">
-            <a:avLst>
-              <a:gd name="adj" fmla="val 11111"/>
-            </a:avLst>
-          </a:prstGeom>
-          <a:ln w="190500" cap="rnd">
-            <a:solidFill>
-              <a:srgbClr val="C8C6BD"/>
-            </a:solidFill>
-            <a:prstDash val="solid"/>
-          </a:ln>
-          <a:effectLst>
-            <a:outerShdw blurRad="101600" dist="50800" dir="7200000" algn="tl" rotWithShape="0">
-              <a:srgbClr val="000000">
-                <a:alpha val="45000"/>
-              </a:srgbClr>
-            </a:outerShdw>
-          </a:effectLst>
-          <a:scene3d>
-            <a:camera prst="perspectiveFront" fov="5400000"/>
-            <a:lightRig rig="threePt" dir="t">
-              <a:rot lat="0" lon="0" rev="19200000"/>
-            </a:lightRig>
-          </a:scene3d>
-          <a:sp3d extrusionH="25400">
-            <a:bevelT w="304800" h="152400" prst="hardEdge"/>
-            <a:extrusionClr>
-              <a:srgbClr val="FFFFFF"/>
-            </a:extrusionClr>
-          </a:sp3d>
-          <a:extLst>
-            <a:ext uri="{909E8E84-426E-40DD-AFC4-6F175D3DCCD1}">
-              <a14:hiddenFill xmlns:a14="http://schemas.microsoft.com/office/drawing/2010/main">
-                <a:solidFill>
-                  <a:srgbClr val="FFFFFF"/>
-                </a:solidFill>
-              </a14:hiddenFill>
-            </a:ext>
-          </a:extLst>
-        </p:spPr>
-      </p:pic>
+          </p:spPr>
+        </p:pic>
+        <p:sp>
+          <p:nvSpPr>
+            <p:cNvPr id="23" name="TextBox 22"/>
+            <p:cNvSpPr txBox="1"/>
+            <p:nvPr/>
+          </p:nvSpPr>
+          <p:spPr>
+            <a:xfrm>
+              <a:off x="7314930" y="4865914"/>
+              <a:ext cx="1103187" cy="646331"/>
+            </a:xfrm>
+            <a:prstGeom prst="rect">
+              <a:avLst/>
+            </a:prstGeom>
+            <a:noFill/>
+          </p:spPr>
+          <p:txBody>
+            <a:bodyPr wrap="none" rtlCol="0">
+              <a:spAutoFit/>
+            </a:bodyPr>
+            <a:lstStyle/>
+            <a:p>
+              <a:r>
+                <a:rPr lang="en-US" sz="3600" b="1" dirty="0" smtClean="0"/>
+                <a:t>Docs</a:t>
+              </a:r>
+              <a:endParaRPr lang="en-US" sz="3200" b="1" dirty="0"/>
+            </a:p>
+          </p:txBody>
+        </p:sp>
+      </p:grpSp>
     </p:spTree>
     <p:extLst>
       <p:ext uri="{BB962C8B-B14F-4D97-AF65-F5344CB8AC3E}">
